--- a/goott_3rd_project_김경현/호텔_관리_사이트.pptx
+++ b/goott_3rd_project_김경현/호텔_관리_사이트.pptx
@@ -7402,6 +7402,27 @@
             <a:r>
               <a:rPr lang="ko-KR" altLang="en-US" sz="2000" dirty="0"/>
               <a:t>보안문제도 있음</a:t>
+            </a:r>
+            <a:endParaRPr lang="en-US" altLang="ko-KR" sz="2000" dirty="0"/>
+          </a:p>
+          <a:p>
+            <a:endParaRPr lang="en-US" altLang="ko-KR" sz="2000" dirty="0"/>
+          </a:p>
+          <a:p>
+            <a:pPr marL="0" indent="0">
+              <a:buNone/>
+            </a:pPr>
+            <a:r>
+              <a:rPr lang="en-US" altLang="ko-KR" sz="2000" dirty="0" err="1"/>
+              <a:t>src</a:t>
+            </a:r>
+            <a:r>
+              <a:rPr lang="en-US" altLang="ko-KR" sz="2000" dirty="0"/>
+              <a:t>/connection/TestMain.java</a:t>
+            </a:r>
+            <a:r>
+              <a:rPr lang="ko-KR" altLang="en-US" sz="2000"/>
+              <a:t>에서 관리자 추가하고 진행해야 함</a:t>
             </a:r>
             <a:endParaRPr lang="en-US" altLang="ko-KR" sz="2000" dirty="0"/>
           </a:p>
